--- a/logo.pptx
+++ b/logo.pptx
@@ -104,6 +104,11 @@
       </a:defRPr>
     </a:lvl9pPr>
   </p:defaultTextStyle>
+  <p:extLst>
+    <p:ext uri="{EFAFB233-063F-42B5-8137-9DF3F51BA10A}">
+      <p15:sldGuideLst xmlns:p15="http://schemas.microsoft.com/office/powerpoint/2012/main"/>
+    </p:ext>
+  </p:extLst>
 </p:presentation>
 </file>
 
@@ -238,7 +243,7 @@
           <a:p>
             <a:fld id="{4C5805DD-F97B-4DF8-A975-1C23BFBAF5D0}" type="datetimeFigureOut">
               <a:rPr lang="en-GB" smtClean="0"/>
-              <a:t>20/10/2022</a:t>
+              <a:t>18/11/2022</a:t>
             </a:fld>
             <a:endParaRPr lang="en-GB"/>
           </a:p>
@@ -408,7 +413,7 @@
           <a:p>
             <a:fld id="{4C5805DD-F97B-4DF8-A975-1C23BFBAF5D0}" type="datetimeFigureOut">
               <a:rPr lang="en-GB" smtClean="0"/>
-              <a:t>20/10/2022</a:t>
+              <a:t>18/11/2022</a:t>
             </a:fld>
             <a:endParaRPr lang="en-GB"/>
           </a:p>
@@ -588,7 +593,7 @@
           <a:p>
             <a:fld id="{4C5805DD-F97B-4DF8-A975-1C23BFBAF5D0}" type="datetimeFigureOut">
               <a:rPr lang="en-GB" smtClean="0"/>
-              <a:t>20/10/2022</a:t>
+              <a:t>18/11/2022</a:t>
             </a:fld>
             <a:endParaRPr lang="en-GB"/>
           </a:p>
@@ -758,7 +763,7 @@
           <a:p>
             <a:fld id="{4C5805DD-F97B-4DF8-A975-1C23BFBAF5D0}" type="datetimeFigureOut">
               <a:rPr lang="en-GB" smtClean="0"/>
-              <a:t>20/10/2022</a:t>
+              <a:t>18/11/2022</a:t>
             </a:fld>
             <a:endParaRPr lang="en-GB"/>
           </a:p>
@@ -1004,7 +1009,7 @@
           <a:p>
             <a:fld id="{4C5805DD-F97B-4DF8-A975-1C23BFBAF5D0}" type="datetimeFigureOut">
               <a:rPr lang="en-GB" smtClean="0"/>
-              <a:t>20/10/2022</a:t>
+              <a:t>18/11/2022</a:t>
             </a:fld>
             <a:endParaRPr lang="en-GB"/>
           </a:p>
@@ -1236,7 +1241,7 @@
           <a:p>
             <a:fld id="{4C5805DD-F97B-4DF8-A975-1C23BFBAF5D0}" type="datetimeFigureOut">
               <a:rPr lang="en-GB" smtClean="0"/>
-              <a:t>20/10/2022</a:t>
+              <a:t>18/11/2022</a:t>
             </a:fld>
             <a:endParaRPr lang="en-GB"/>
           </a:p>
@@ -1603,7 +1608,7 @@
           <a:p>
             <a:fld id="{4C5805DD-F97B-4DF8-A975-1C23BFBAF5D0}" type="datetimeFigureOut">
               <a:rPr lang="en-GB" smtClean="0"/>
-              <a:t>20/10/2022</a:t>
+              <a:t>18/11/2022</a:t>
             </a:fld>
             <a:endParaRPr lang="en-GB"/>
           </a:p>
@@ -1721,7 +1726,7 @@
           <a:p>
             <a:fld id="{4C5805DD-F97B-4DF8-A975-1C23BFBAF5D0}" type="datetimeFigureOut">
               <a:rPr lang="en-GB" smtClean="0"/>
-              <a:t>20/10/2022</a:t>
+              <a:t>18/11/2022</a:t>
             </a:fld>
             <a:endParaRPr lang="en-GB"/>
           </a:p>
@@ -1816,7 +1821,7 @@
           <a:p>
             <a:fld id="{4C5805DD-F97B-4DF8-A975-1C23BFBAF5D0}" type="datetimeFigureOut">
               <a:rPr lang="en-GB" smtClean="0"/>
-              <a:t>20/10/2022</a:t>
+              <a:t>18/11/2022</a:t>
             </a:fld>
             <a:endParaRPr lang="en-GB"/>
           </a:p>
@@ -2093,7 +2098,7 @@
           <a:p>
             <a:fld id="{4C5805DD-F97B-4DF8-A975-1C23BFBAF5D0}" type="datetimeFigureOut">
               <a:rPr lang="en-GB" smtClean="0"/>
-              <a:t>20/10/2022</a:t>
+              <a:t>18/11/2022</a:t>
             </a:fld>
             <a:endParaRPr lang="en-GB"/>
           </a:p>
@@ -2346,7 +2351,7 @@
           <a:p>
             <a:fld id="{4C5805DD-F97B-4DF8-A975-1C23BFBAF5D0}" type="datetimeFigureOut">
               <a:rPr lang="en-GB" smtClean="0"/>
-              <a:t>20/10/2022</a:t>
+              <a:t>18/11/2022</a:t>
             </a:fld>
             <a:endParaRPr lang="en-GB"/>
           </a:p>
@@ -2559,7 +2564,7 @@
           <a:p>
             <a:fld id="{4C5805DD-F97B-4DF8-A975-1C23BFBAF5D0}" type="datetimeFigureOut">
               <a:rPr lang="en-GB" smtClean="0"/>
-              <a:t>20/10/2022</a:t>
+              <a:t>18/11/2022</a:t>
             </a:fld>
             <a:endParaRPr lang="en-GB"/>
           </a:p>
@@ -2964,6 +2969,86 @@
           <a:chExt cx="0" cy="0"/>
         </a:xfrm>
       </p:grpSpPr>
+      <p:sp>
+        <p:nvSpPr>
+          <p:cNvPr id="5" name="TextBox 4"/>
+          <p:cNvSpPr txBox="1"/>
+          <p:nvPr/>
+        </p:nvSpPr>
+        <p:spPr>
+          <a:xfrm>
+            <a:off x="402899" y="1834099"/>
+            <a:ext cx="1843774" cy="3154710"/>
+          </a:xfrm>
+          <a:prstGeom prst="rect">
+            <a:avLst/>
+          </a:prstGeom>
+          <a:noFill/>
+        </p:spPr>
+        <p:txBody>
+          <a:bodyPr wrap="none" rtlCol="0">
+            <a:spAutoFit/>
+          </a:bodyPr>
+          <a:lstStyle/>
+          <a:p>
+            <a:r>
+              <a:rPr lang="en-GB" sz="19900" dirty="0" smtClean="0">
+                <a:latin typeface="Century Gothic" panose="020B0502020202020204" pitchFamily="34" charset="0"/>
+              </a:rPr>
+              <a:t>e</a:t>
+            </a:r>
+            <a:endParaRPr lang="en-GB" sz="19900" dirty="0">
+              <a:latin typeface="Century Gothic" panose="020B0502020202020204" pitchFamily="34" charset="0"/>
+            </a:endParaRPr>
+          </a:p>
+        </p:txBody>
+      </p:sp>
+      <p:sp>
+        <p:nvSpPr>
+          <p:cNvPr id="9" name="Oval 8"/>
+          <p:cNvSpPr/>
+          <p:nvPr/>
+        </p:nvSpPr>
+        <p:spPr>
+          <a:xfrm>
+            <a:off x="1150959" y="3440862"/>
+            <a:ext cx="347653" cy="347653"/>
+          </a:xfrm>
+          <a:prstGeom prst="ellipse">
+            <a:avLst/>
+          </a:prstGeom>
+          <a:solidFill>
+            <a:schemeClr val="tx1"/>
+          </a:solidFill>
+          <a:ln>
+            <a:noFill/>
+          </a:ln>
+        </p:spPr>
+        <p:style>
+          <a:lnRef idx="2">
+            <a:schemeClr val="accent1">
+              <a:shade val="50000"/>
+            </a:schemeClr>
+          </a:lnRef>
+          <a:fillRef idx="1">
+            <a:schemeClr val="accent1"/>
+          </a:fillRef>
+          <a:effectRef idx="0">
+            <a:schemeClr val="accent1"/>
+          </a:effectRef>
+          <a:fontRef idx="minor">
+            <a:schemeClr val="lt1"/>
+          </a:fontRef>
+        </p:style>
+        <p:txBody>
+          <a:bodyPr rtlCol="0" anchor="ctr"/>
+          <a:lstStyle/>
+          <a:p>
+            <a:pPr algn="ctr"/>
+            <a:endParaRPr lang="en-GB"/>
+          </a:p>
+        </p:txBody>
+      </p:sp>
       <p:pic>
         <p:nvPicPr>
           <p:cNvPr id="6" name="Picture 5"/>
@@ -2992,7 +3077,7 @@
         </p:blipFill>
         <p:spPr>
           <a:xfrm>
-            <a:off x="216734" y="252664"/>
+            <a:off x="3872629" y="349078"/>
             <a:ext cx="7627855" cy="3535485"/>
           </a:xfrm>
           <a:prstGeom prst="rect">
@@ -3002,7 +3087,7 @@
       </p:pic>
       <p:pic>
         <p:nvPicPr>
-          <p:cNvPr id="7" name="Picture 6"/>
+          <p:cNvPr id="4" name="Picture 3"/>
           <p:cNvPicPr>
             <a:picLocks noChangeAspect="1"/>
           </p:cNvPicPr>
@@ -3010,24 +3095,26 @@
         </p:nvPicPr>
         <p:blipFill>
           <a:blip r:embed="rId3" cstate="print">
-            <a:clrChange>
-              <a:clrFrom>
-                <a:srgbClr val="EFEFEF"/>
-              </a:clrFrom>
-              <a:clrTo>
-                <a:srgbClr val="EFEFEF">
-                  <a:alpha val="0"/>
-                </a:srgbClr>
-              </a:clrTo>
-            </a:clrChange>
             <a:duotone>
-              <a:schemeClr val="accent4">
+              <a:schemeClr val="accent1">
                 <a:shade val="45000"/>
                 <a:satMod val="135000"/>
               </a:schemeClr>
               <a:prstClr val="white"/>
             </a:duotone>
             <a:extLst>
+              <a:ext uri="{BEBA8EAE-BF5A-486C-A8C5-ECC9F3942E4B}">
+                <a14:imgProps xmlns:a14="http://schemas.microsoft.com/office/drawing/2010/main">
+                  <a14:imgLayer r:embed="rId4">
+                    <a14:imgEffect>
+                      <a14:colorTemperature colorTemp="5242"/>
+                    </a14:imgEffect>
+                    <a14:imgEffect>
+                      <a14:saturation sat="232000"/>
+                    </a14:imgEffect>
+                  </a14:imgLayer>
+                </a14:imgProps>
+              </a:ext>
               <a:ext uri="{28A0092B-C50C-407E-A947-70E740481C1C}">
                 <a14:useLocalDpi xmlns:a14="http://schemas.microsoft.com/office/drawing/2010/main" val="0"/>
               </a:ext>
@@ -3039,8 +3126,8 @@
         </p:blipFill>
         <p:spPr>
           <a:xfrm>
-            <a:off x="3256230" y="1158240"/>
-            <a:ext cx="1232800" cy="1234304"/>
+            <a:off x="1035860" y="3325763"/>
+            <a:ext cx="577850" cy="577850"/>
           </a:xfrm>
           <a:prstGeom prst="rect">
             <a:avLst/>
@@ -3049,14 +3136,14 @@
       </p:pic>
       <p:sp>
         <p:nvSpPr>
-          <p:cNvPr id="8" name="TextBox 7"/>
+          <p:cNvPr id="10" name="TextBox 9"/>
           <p:cNvSpPr txBox="1"/>
           <p:nvPr/>
         </p:nvSpPr>
         <p:spPr>
           <a:xfrm>
-            <a:off x="3008835" y="2319595"/>
-            <a:ext cx="1727589" cy="584775"/>
+            <a:off x="1968263" y="3079998"/>
+            <a:ext cx="2555508" cy="923330"/>
           </a:xfrm>
           <a:prstGeom prst="rect">
             <a:avLst/>
@@ -3070,21 +3157,13 @@
           <a:lstStyle/>
           <a:p>
             <a:r>
-              <a:rPr lang="en-GB" sz="3200" b="1" dirty="0" err="1" smtClean="0">
-                <a:solidFill>
-                  <a:schemeClr val="bg1"/>
-                </a:solidFill>
-                <a:latin typeface="Microsoft JhengHei Light" panose="020B0304030504040204" pitchFamily="34" charset="-120"/>
-                <a:ea typeface="Microsoft JhengHei Light" panose="020B0304030504040204" pitchFamily="34" charset="-120"/>
+              <a:rPr lang="en-GB" sz="5400" dirty="0" err="1" smtClean="0">
+                <a:latin typeface="Century Gothic" panose="020B0502020202020204" pitchFamily="34" charset="0"/>
               </a:rPr>
-              <a:t>eyetools</a:t>
-            </a:r>
-            <a:endParaRPr lang="en-GB" sz="3200" b="1" dirty="0">
-              <a:solidFill>
-                <a:schemeClr val="bg1"/>
-              </a:solidFill>
-              <a:latin typeface="Microsoft JhengHei Light" panose="020B0304030504040204" pitchFamily="34" charset="-120"/>
-              <a:ea typeface="Microsoft JhengHei Light" panose="020B0304030504040204" pitchFamily="34" charset="-120"/>
+              <a:t>yetools</a:t>
+            </a:r>
+            <a:endParaRPr lang="en-GB" sz="5400" dirty="0">
+              <a:latin typeface="Century Gothic" panose="020B0502020202020204" pitchFamily="34" charset="0"/>
             </a:endParaRPr>
           </a:p>
         </p:txBody>
